--- a/charte graphique.pptx
+++ b/charte graphique.pptx
@@ -5033,6 +5033,75 @@
           </a:fontRef>
         </p:style>
       </p:cxnSp>
+      <p:cxnSp>
+        <p:nvCxnSpPr>
+          <p:cNvPr id="10" name="Connecteur en angle 9"/>
+          <p:cNvCxnSpPr/>
+          <p:nvPr/>
+        </p:nvCxnSpPr>
+        <p:spPr>
+          <a:xfrm>
+            <a:off x="1017431" y="2659487"/>
+            <a:ext cx="914400" cy="914400"/>
+          </a:xfrm>
+          <a:prstGeom prst="bentConnector3">
+            <a:avLst/>
+          </a:prstGeom>
+          <a:ln>
+            <a:tailEnd type="triangle"/>
+          </a:ln>
+        </p:spPr>
+        <p:style>
+          <a:lnRef idx="1">
+            <a:schemeClr val="accent1"/>
+          </a:lnRef>
+          <a:fillRef idx="0">
+            <a:schemeClr val="accent1"/>
+          </a:fillRef>
+          <a:effectRef idx="0">
+            <a:schemeClr val="accent1"/>
+          </a:effectRef>
+          <a:fontRef idx="minor">
+            <a:schemeClr val="tx1"/>
+          </a:fontRef>
+        </p:style>
+      </p:cxnSp>
+      <p:sp>
+        <p:nvSpPr>
+          <p:cNvPr id="12" name="ZoneTexte 11"/>
+          <p:cNvSpPr txBox="1"/>
+          <p:nvPr/>
+        </p:nvSpPr>
+        <p:spPr>
+          <a:xfrm>
+            <a:off x="450761" y="2434106"/>
+            <a:ext cx="934102" cy="646331"/>
+          </a:xfrm>
+          <a:prstGeom prst="rect">
+            <a:avLst/>
+          </a:prstGeom>
+          <a:noFill/>
+        </p:spPr>
+        <p:txBody>
+          <a:bodyPr wrap="none" rtlCol="0">
+            <a:spAutoFit/>
+          </a:bodyPr>
+          <a:lstStyle/>
+          <a:p>
+            <a:r>
+              <a:rPr lang="fr-FR" dirty="0" smtClean="0"/>
+              <a:t>Fond </a:t>
+            </a:r>
+          </a:p>
+          <a:p>
+            <a:r>
+              <a:rPr lang="fr-FR" smtClean="0"/>
+              <a:t>D’écran</a:t>
+            </a:r>
+            <a:endParaRPr lang="fr-FR"/>
+          </a:p>
+        </p:txBody>
+      </p:sp>
     </p:spTree>
     <p:extLst>
       <p:ext uri="{BB962C8B-B14F-4D97-AF65-F5344CB8AC3E}">
@@ -5130,11 +5199,7 @@
           <a:p>
             <a:r>
               <a:rPr lang="fr-FR" dirty="0" smtClean="0"/>
-              <a:t>Les codes couleurs suivants doivent être </a:t>
-            </a:r>
-            <a:r>
-              <a:rPr lang="fr-FR" dirty="0" smtClean="0"/>
-              <a:t>utilisés respectivement </a:t>
+              <a:t>Les codes couleurs suivants doivent être utilisés respectivement </a:t>
             </a:r>
             <a:r>
               <a:rPr lang="fr-FR" sz="2000" b="1" u="sng" dirty="0" smtClean="0"/>
@@ -5662,11 +5727,7 @@
           <a:p>
             <a:r>
               <a:rPr lang="fr-FR" dirty="0" smtClean="0"/>
-              <a:t>La taille de caractère standard est de 12 pixels; elle </a:t>
-            </a:r>
-            <a:r>
-              <a:rPr lang="fr-FR" dirty="0" smtClean="0"/>
-              <a:t>va être ajuster et ne dépassera pas 36 pixels </a:t>
+              <a:t>La taille de caractère standard est de 12 pixels; elle va être ajuster et ne dépassera pas 36 pixels </a:t>
             </a:r>
           </a:p>
           <a:p>

--- a/charte graphique.pptx
+++ b/charte graphique.pptx
@@ -5305,15 +5305,19 @@
           <a:p>
             <a:pPr algn="ctr"/>
             <a:r>
-              <a:rPr lang="fr-FR" dirty="0" err="1" smtClean="0"/>
-              <a:t>E</a:t>
-            </a:r>
-            <a:r>
               <a:rPr lang="fr-FR" dirty="0" err="1" smtClean="0">
                 <a:solidFill>
                   <a:schemeClr val="tx2"/>
                 </a:solidFill>
               </a:rPr>
+              <a:t>E</a:t>
+            </a:r>
+            <a:r>
+              <a:rPr lang="fr-FR" smtClean="0">
+                <a:solidFill>
+                  <a:schemeClr val="tx2"/>
+                </a:solidFill>
+              </a:rPr>
               <a:t>lement</a:t>
             </a:r>
             <a:r>
@@ -5322,7 +5326,15 @@
                   <a:schemeClr val="tx2"/>
                 </a:solidFill>
               </a:rPr>
-              <a:t> 1</a:t>
+              <a:t> </a:t>
+            </a:r>
+            <a:r>
+              <a:rPr lang="fr-FR" dirty="0" smtClean="0">
+                <a:solidFill>
+                  <a:schemeClr val="tx2"/>
+                </a:solidFill>
+              </a:rPr>
+              <a:t>1</a:t>
             </a:r>
             <a:endParaRPr lang="fr-FR" dirty="0"/>
           </a:p>
